--- a/Final-Group-Presentation/Presentation.pptx
+++ b/Final-Group-Presentation/Presentation.pptx
@@ -5,7 +5,7 @@
     <p:sldMasterId id="2147483665" r:id="rId1"/>
   </p:sldMasterIdLst>
   <p:notesMasterIdLst>
-    <p:notesMasterId r:id="rId13"/>
+    <p:notesMasterId r:id="rId14"/>
   </p:notesMasterIdLst>
   <p:sldIdLst>
     <p:sldId id="256" r:id="rId2"/>
@@ -17,15 +17,16 @@
     <p:sldId id="262" r:id="rId8"/>
     <p:sldId id="264" r:id="rId9"/>
     <p:sldId id="265" r:id="rId10"/>
-    <p:sldId id="266" r:id="rId11"/>
-    <p:sldId id="263" r:id="rId12"/>
+    <p:sldId id="267" r:id="rId11"/>
+    <p:sldId id="266" r:id="rId12"/>
+    <p:sldId id="263" r:id="rId13"/>
   </p:sldIdLst>
   <p:sldSz cx="12192000" cy="6858000"/>
   <p:notesSz cx="6858000" cy="9144000"/>
   <p:embeddedFontLst>
     <p:embeddedFont>
       <p:font typeface="Questrial" panose="020B0604020202020204" charset="0"/>
-      <p:regular r:id="rId14"/>
+      <p:regular r:id="rId15"/>
     </p:embeddedFont>
   </p:embeddedFontLst>
   <p:defaultTextStyle>
@@ -257,6 +258,11 @@
       </a:defRPr>
     </a:lvl9pPr>
   </p:defaultTextStyle>
+  <p:extLst>
+    <p:ext uri="{EFAFB233-063F-42B5-8137-9DF3F51BA10A}">
+      <p15:sldGuideLst xmlns:p15="http://schemas.microsoft.com/office/powerpoint/2012/main"/>
+    </p:ext>
+  </p:extLst>
 </p:presentation>
 </file>
 
@@ -27573,6 +27579,720 @@
   <p:cSld>
     <p:spTree>
       <p:nvGrpSpPr>
+        <p:cNvPr id="1" name=""/>
+        <p:cNvGrpSpPr/>
+        <p:nvPr/>
+      </p:nvGrpSpPr>
+      <p:grpSpPr>
+        <a:xfrm>
+          <a:off x="0" y="0"/>
+          <a:ext cx="0" cy="0"/>
+          <a:chOff x="0" y="0"/>
+          <a:chExt cx="0" cy="0"/>
+        </a:xfrm>
+      </p:grpSpPr>
+      <p:pic>
+        <p:nvPicPr>
+          <p:cNvPr id="5" name="Picture 4">
+            <a:extLst>
+              <a:ext uri="{FF2B5EF4-FFF2-40B4-BE49-F238E27FC236}">
+                <a16:creationId xmlns:a16="http://schemas.microsoft.com/office/drawing/2014/main" id="{15600C8C-F83C-4AA7-8595-78E805B32A28}"/>
+              </a:ext>
+            </a:extLst>
+          </p:cNvPr>
+          <p:cNvPicPr>
+            <a:picLocks noChangeAspect="1"/>
+          </p:cNvPicPr>
+          <p:nvPr/>
+        </p:nvPicPr>
+        <p:blipFill>
+          <a:blip r:embed="rId2"/>
+          <a:stretch>
+            <a:fillRect/>
+          </a:stretch>
+        </p:blipFill>
+        <p:spPr>
+          <a:xfrm>
+            <a:off x="196948" y="522845"/>
+            <a:ext cx="4683697" cy="5648950"/>
+          </a:xfrm>
+          <a:prstGeom prst="rect">
+            <a:avLst/>
+          </a:prstGeom>
+          <a:solidFill>
+            <a:srgbClr val="FFFFFF">
+              <a:shade val="85000"/>
+            </a:srgbClr>
+          </a:solidFill>
+          <a:ln w="88900" cap="sq">
+            <a:solidFill>
+              <a:srgbClr val="FFFFFF"/>
+            </a:solidFill>
+            <a:miter lim="800000"/>
+          </a:ln>
+          <a:effectLst>
+            <a:outerShdw blurRad="55000" dist="18000" dir="5400000" algn="tl" rotWithShape="0">
+              <a:srgbClr val="000000">
+                <a:alpha val="40000"/>
+              </a:srgbClr>
+            </a:outerShdw>
+          </a:effectLst>
+          <a:scene3d>
+            <a:camera prst="orthographicFront"/>
+            <a:lightRig rig="twoPt" dir="t">
+              <a:rot lat="0" lon="0" rev="7200000"/>
+            </a:lightRig>
+          </a:scene3d>
+          <a:sp3d>
+            <a:bevelT w="25400" h="19050"/>
+            <a:contourClr>
+              <a:srgbClr val="FFFFFF"/>
+            </a:contourClr>
+          </a:sp3d>
+        </p:spPr>
+      </p:pic>
+      <p:pic>
+        <p:nvPicPr>
+          <p:cNvPr id="7" name="Picture 6">
+            <a:extLst>
+              <a:ext uri="{FF2B5EF4-FFF2-40B4-BE49-F238E27FC236}">
+                <a16:creationId xmlns:a16="http://schemas.microsoft.com/office/drawing/2014/main" id="{8CD4CF2C-0682-4061-8E91-5CA6E9E7DE8F}"/>
+              </a:ext>
+            </a:extLst>
+          </p:cNvPr>
+          <p:cNvPicPr>
+            <a:picLocks noChangeAspect="1"/>
+          </p:cNvPicPr>
+          <p:nvPr/>
+        </p:nvPicPr>
+        <p:blipFill>
+          <a:blip r:embed="rId3"/>
+          <a:stretch>
+            <a:fillRect/>
+          </a:stretch>
+        </p:blipFill>
+        <p:spPr>
+          <a:xfrm>
+            <a:off x="5468520" y="522844"/>
+            <a:ext cx="3154765" cy="3191027"/>
+          </a:xfrm>
+          <a:prstGeom prst="rect">
+            <a:avLst/>
+          </a:prstGeom>
+          <a:solidFill>
+            <a:srgbClr val="FFFFFF">
+              <a:shade val="85000"/>
+            </a:srgbClr>
+          </a:solidFill>
+          <a:ln w="88900" cap="sq">
+            <a:solidFill>
+              <a:srgbClr val="FFFFFF"/>
+            </a:solidFill>
+            <a:miter lim="800000"/>
+          </a:ln>
+          <a:effectLst>
+            <a:outerShdw blurRad="55000" dist="18000" dir="5400000" algn="tl" rotWithShape="0">
+              <a:srgbClr val="000000">
+                <a:alpha val="40000"/>
+              </a:srgbClr>
+            </a:outerShdw>
+          </a:effectLst>
+          <a:scene3d>
+            <a:camera prst="orthographicFront"/>
+            <a:lightRig rig="twoPt" dir="t">
+              <a:rot lat="0" lon="0" rev="7200000"/>
+            </a:lightRig>
+          </a:scene3d>
+          <a:sp3d>
+            <a:bevelT w="25400" h="19050"/>
+            <a:contourClr>
+              <a:srgbClr val="FFFFFF"/>
+            </a:contourClr>
+          </a:sp3d>
+        </p:spPr>
+      </p:pic>
+      <p:pic>
+        <p:nvPicPr>
+          <p:cNvPr id="9" name="Picture 8">
+            <a:extLst>
+              <a:ext uri="{FF2B5EF4-FFF2-40B4-BE49-F238E27FC236}">
+                <a16:creationId xmlns:a16="http://schemas.microsoft.com/office/drawing/2014/main" id="{FEFD049D-BAFA-4EEA-929C-1745FC016BCA}"/>
+              </a:ext>
+            </a:extLst>
+          </p:cNvPr>
+          <p:cNvPicPr>
+            <a:picLocks noChangeAspect="1"/>
+          </p:cNvPicPr>
+          <p:nvPr/>
+        </p:nvPicPr>
+        <p:blipFill>
+          <a:blip r:embed="rId4"/>
+          <a:stretch>
+            <a:fillRect/>
+          </a:stretch>
+        </p:blipFill>
+        <p:spPr>
+          <a:xfrm>
+            <a:off x="9443729" y="1370840"/>
+            <a:ext cx="2254280" cy="2343031"/>
+          </a:xfrm>
+          <a:prstGeom prst="rect">
+            <a:avLst/>
+          </a:prstGeom>
+          <a:solidFill>
+            <a:srgbClr val="FFFFFF">
+              <a:shade val="85000"/>
+            </a:srgbClr>
+          </a:solidFill>
+          <a:ln w="88900" cap="sq">
+            <a:solidFill>
+              <a:srgbClr val="FFFFFF"/>
+            </a:solidFill>
+            <a:miter lim="800000"/>
+          </a:ln>
+          <a:effectLst>
+            <a:outerShdw blurRad="55000" dist="18000" dir="5400000" algn="tl" rotWithShape="0">
+              <a:srgbClr val="000000">
+                <a:alpha val="40000"/>
+              </a:srgbClr>
+            </a:outerShdw>
+          </a:effectLst>
+          <a:scene3d>
+            <a:camera prst="orthographicFront"/>
+            <a:lightRig rig="twoPt" dir="t">
+              <a:rot lat="0" lon="0" rev="7200000"/>
+            </a:lightRig>
+          </a:scene3d>
+          <a:sp3d>
+            <a:bevelT w="25400" h="19050"/>
+            <a:contourClr>
+              <a:srgbClr val="FFFFFF"/>
+            </a:contourClr>
+          </a:sp3d>
+        </p:spPr>
+      </p:pic>
+      <p:pic>
+        <p:nvPicPr>
+          <p:cNvPr id="11" name="Picture 10">
+            <a:extLst>
+              <a:ext uri="{FF2B5EF4-FFF2-40B4-BE49-F238E27FC236}">
+                <a16:creationId xmlns:a16="http://schemas.microsoft.com/office/drawing/2014/main" id="{675FC0CB-82BB-41E7-92AD-70E4C39A9CDD}"/>
+              </a:ext>
+            </a:extLst>
+          </p:cNvPr>
+          <p:cNvPicPr>
+            <a:picLocks noChangeAspect="1"/>
+          </p:cNvPicPr>
+          <p:nvPr/>
+        </p:nvPicPr>
+        <p:blipFill>
+          <a:blip r:embed="rId5"/>
+          <a:stretch>
+            <a:fillRect/>
+          </a:stretch>
+        </p:blipFill>
+        <p:spPr>
+          <a:xfrm>
+            <a:off x="5468520" y="4302790"/>
+            <a:ext cx="1805289" cy="1869005"/>
+          </a:xfrm>
+          <a:prstGeom prst="rect">
+            <a:avLst/>
+          </a:prstGeom>
+          <a:solidFill>
+            <a:srgbClr val="FFFFFF">
+              <a:shade val="85000"/>
+            </a:srgbClr>
+          </a:solidFill>
+          <a:ln w="88900" cap="sq">
+            <a:solidFill>
+              <a:srgbClr val="FFFFFF"/>
+            </a:solidFill>
+            <a:miter lim="800000"/>
+          </a:ln>
+          <a:effectLst>
+            <a:outerShdw blurRad="55000" dist="18000" dir="5400000" algn="tl" rotWithShape="0">
+              <a:srgbClr val="000000">
+                <a:alpha val="40000"/>
+              </a:srgbClr>
+            </a:outerShdw>
+          </a:effectLst>
+          <a:scene3d>
+            <a:camera prst="orthographicFront"/>
+            <a:lightRig rig="twoPt" dir="t">
+              <a:rot lat="0" lon="0" rev="7200000"/>
+            </a:lightRig>
+          </a:scene3d>
+          <a:sp3d>
+            <a:bevelT w="25400" h="19050"/>
+            <a:contourClr>
+              <a:srgbClr val="FFFFFF"/>
+            </a:contourClr>
+          </a:sp3d>
+        </p:spPr>
+      </p:pic>
+      <p:pic>
+        <p:nvPicPr>
+          <p:cNvPr id="13" name="Picture 12">
+            <a:extLst>
+              <a:ext uri="{FF2B5EF4-FFF2-40B4-BE49-F238E27FC236}">
+                <a16:creationId xmlns:a16="http://schemas.microsoft.com/office/drawing/2014/main" id="{C76D7302-6EE7-414F-9446-C8C65793877B}"/>
+              </a:ext>
+            </a:extLst>
+          </p:cNvPr>
+          <p:cNvPicPr>
+            <a:picLocks noChangeAspect="1"/>
+          </p:cNvPicPr>
+          <p:nvPr/>
+        </p:nvPicPr>
+        <p:blipFill>
+          <a:blip r:embed="rId6"/>
+          <a:stretch>
+            <a:fillRect/>
+          </a:stretch>
+        </p:blipFill>
+        <p:spPr>
+          <a:xfrm>
+            <a:off x="8238175" y="4923691"/>
+            <a:ext cx="1205554" cy="1248103"/>
+          </a:xfrm>
+          <a:prstGeom prst="rect">
+            <a:avLst/>
+          </a:prstGeom>
+          <a:solidFill>
+            <a:srgbClr val="FFFFFF">
+              <a:shade val="85000"/>
+            </a:srgbClr>
+          </a:solidFill>
+          <a:ln w="88900" cap="sq">
+            <a:solidFill>
+              <a:srgbClr val="FFFFFF"/>
+            </a:solidFill>
+            <a:miter lim="800000"/>
+          </a:ln>
+          <a:effectLst>
+            <a:outerShdw blurRad="55000" dist="18000" dir="5400000" algn="tl" rotWithShape="0">
+              <a:srgbClr val="000000">
+                <a:alpha val="40000"/>
+              </a:srgbClr>
+            </a:outerShdw>
+          </a:effectLst>
+          <a:scene3d>
+            <a:camera prst="orthographicFront"/>
+            <a:lightRig rig="twoPt" dir="t">
+              <a:rot lat="0" lon="0" rev="7200000"/>
+            </a:lightRig>
+          </a:scene3d>
+          <a:sp3d>
+            <a:bevelT w="25400" h="19050"/>
+            <a:contourClr>
+              <a:srgbClr val="FFFFFF"/>
+            </a:contourClr>
+          </a:sp3d>
+        </p:spPr>
+      </p:pic>
+      <p:pic>
+        <p:nvPicPr>
+          <p:cNvPr id="15" name="Picture 14">
+            <a:extLst>
+              <a:ext uri="{FF2B5EF4-FFF2-40B4-BE49-F238E27FC236}">
+                <a16:creationId xmlns:a16="http://schemas.microsoft.com/office/drawing/2014/main" id="{007437DA-77C0-4F7C-8F25-A32AB672013E}"/>
+              </a:ext>
+            </a:extLst>
+          </p:cNvPr>
+          <p:cNvPicPr>
+            <a:picLocks noChangeAspect="1"/>
+          </p:cNvPicPr>
+          <p:nvPr/>
+        </p:nvPicPr>
+        <p:blipFill>
+          <a:blip r:embed="rId7"/>
+          <a:stretch>
+            <a:fillRect/>
+          </a:stretch>
+        </p:blipFill>
+        <p:spPr>
+          <a:xfrm>
+            <a:off x="10408095" y="5376327"/>
+            <a:ext cx="747257" cy="795467"/>
+          </a:xfrm>
+          <a:prstGeom prst="rect">
+            <a:avLst/>
+          </a:prstGeom>
+          <a:solidFill>
+            <a:srgbClr val="FFFFFF">
+              <a:shade val="85000"/>
+            </a:srgbClr>
+          </a:solidFill>
+          <a:ln w="88900" cap="sq">
+            <a:solidFill>
+              <a:srgbClr val="FFFFFF"/>
+            </a:solidFill>
+            <a:miter lim="800000"/>
+          </a:ln>
+          <a:effectLst>
+            <a:outerShdw blurRad="55000" dist="18000" dir="5400000" algn="tl" rotWithShape="0">
+              <a:srgbClr val="000000">
+                <a:alpha val="40000"/>
+              </a:srgbClr>
+            </a:outerShdw>
+          </a:effectLst>
+          <a:scene3d>
+            <a:camera prst="orthographicFront"/>
+            <a:lightRig rig="twoPt" dir="t">
+              <a:rot lat="0" lon="0" rev="7200000"/>
+            </a:lightRig>
+          </a:scene3d>
+          <a:sp3d>
+            <a:bevelT w="25400" h="19050"/>
+            <a:contourClr>
+              <a:srgbClr val="FFFFFF"/>
+            </a:contourClr>
+          </a:sp3d>
+        </p:spPr>
+      </p:pic>
+      <p:sp>
+        <p:nvSpPr>
+          <p:cNvPr id="18" name="Arrow: Right 17">
+            <a:extLst>
+              <a:ext uri="{FF2B5EF4-FFF2-40B4-BE49-F238E27FC236}">
+                <a16:creationId xmlns:a16="http://schemas.microsoft.com/office/drawing/2014/main" id="{4F4CA11B-0AC1-4727-97FC-157462C581E0}"/>
+              </a:ext>
+            </a:extLst>
+          </p:cNvPr>
+          <p:cNvSpPr/>
+          <p:nvPr/>
+        </p:nvSpPr>
+        <p:spPr>
+          <a:xfrm>
+            <a:off x="4750224" y="1820004"/>
+            <a:ext cx="950866" cy="247948"/>
+          </a:xfrm>
+          <a:prstGeom prst="rightArrow">
+            <a:avLst/>
+          </a:prstGeom>
+          <a:solidFill>
+            <a:srgbClr val="C00000"/>
+          </a:solidFill>
+          <a:ln>
+            <a:solidFill>
+              <a:srgbClr val="C00000"/>
+            </a:solidFill>
+          </a:ln>
+        </p:spPr>
+        <p:style>
+          <a:lnRef idx="2">
+            <a:schemeClr val="accent1">
+              <a:shade val="50000"/>
+            </a:schemeClr>
+          </a:lnRef>
+          <a:fillRef idx="1">
+            <a:schemeClr val="accent1"/>
+          </a:fillRef>
+          <a:effectRef idx="0">
+            <a:schemeClr val="accent1"/>
+          </a:effectRef>
+          <a:fontRef idx="minor">
+            <a:schemeClr val="lt1"/>
+          </a:fontRef>
+        </p:style>
+        <p:txBody>
+          <a:bodyPr rtlCol="0" anchor="ctr"/>
+          <a:lstStyle/>
+          <a:p>
+            <a:pPr algn="ctr"/>
+            <a:endParaRPr lang="en-US"/>
+          </a:p>
+        </p:txBody>
+      </p:sp>
+      <p:sp>
+        <p:nvSpPr>
+          <p:cNvPr id="19" name="Arrow: Right 18">
+            <a:extLst>
+              <a:ext uri="{FF2B5EF4-FFF2-40B4-BE49-F238E27FC236}">
+                <a16:creationId xmlns:a16="http://schemas.microsoft.com/office/drawing/2014/main" id="{EF475799-F0FF-48E3-939C-4052C37E6FA7}"/>
+              </a:ext>
+            </a:extLst>
+          </p:cNvPr>
+          <p:cNvSpPr/>
+          <p:nvPr/>
+        </p:nvSpPr>
+        <p:spPr>
+          <a:xfrm>
+            <a:off x="8623285" y="2418381"/>
+            <a:ext cx="950866" cy="247948"/>
+          </a:xfrm>
+          <a:prstGeom prst="rightArrow">
+            <a:avLst/>
+          </a:prstGeom>
+          <a:solidFill>
+            <a:srgbClr val="C00000"/>
+          </a:solidFill>
+          <a:ln>
+            <a:solidFill>
+              <a:srgbClr val="C00000"/>
+            </a:solidFill>
+          </a:ln>
+        </p:spPr>
+        <p:style>
+          <a:lnRef idx="2">
+            <a:schemeClr val="accent1">
+              <a:shade val="50000"/>
+            </a:schemeClr>
+          </a:lnRef>
+          <a:fillRef idx="1">
+            <a:schemeClr val="accent1"/>
+          </a:fillRef>
+          <a:effectRef idx="0">
+            <a:schemeClr val="accent1"/>
+          </a:effectRef>
+          <a:fontRef idx="minor">
+            <a:schemeClr val="lt1"/>
+          </a:fontRef>
+        </p:style>
+        <p:txBody>
+          <a:bodyPr rtlCol="0" anchor="ctr"/>
+          <a:lstStyle/>
+          <a:p>
+            <a:pPr algn="ctr"/>
+            <a:endParaRPr lang="en-US"/>
+          </a:p>
+        </p:txBody>
+      </p:sp>
+      <p:sp>
+        <p:nvSpPr>
+          <p:cNvPr id="20" name="Arrow: Right 19">
+            <a:extLst>
+              <a:ext uri="{FF2B5EF4-FFF2-40B4-BE49-F238E27FC236}">
+                <a16:creationId xmlns:a16="http://schemas.microsoft.com/office/drawing/2014/main" id="{0DF8E80C-8604-473D-842C-3B0139D6D164}"/>
+              </a:ext>
+            </a:extLst>
+          </p:cNvPr>
+          <p:cNvSpPr/>
+          <p:nvPr/>
+        </p:nvSpPr>
+        <p:spPr>
+          <a:xfrm rot="10800000">
+            <a:off x="7340253" y="4373680"/>
+            <a:ext cx="2649034" cy="141780"/>
+          </a:xfrm>
+          <a:prstGeom prst="rightArrow">
+            <a:avLst/>
+          </a:prstGeom>
+          <a:solidFill>
+            <a:srgbClr val="C00000"/>
+          </a:solidFill>
+          <a:ln>
+            <a:solidFill>
+              <a:srgbClr val="C00000"/>
+            </a:solidFill>
+          </a:ln>
+        </p:spPr>
+        <p:style>
+          <a:lnRef idx="2">
+            <a:schemeClr val="accent1">
+              <a:shade val="50000"/>
+            </a:schemeClr>
+          </a:lnRef>
+          <a:fillRef idx="1">
+            <a:schemeClr val="accent1"/>
+          </a:fillRef>
+          <a:effectRef idx="0">
+            <a:schemeClr val="accent1"/>
+          </a:effectRef>
+          <a:fontRef idx="minor">
+            <a:schemeClr val="lt1"/>
+          </a:fontRef>
+        </p:style>
+        <p:txBody>
+          <a:bodyPr rtlCol="0" anchor="ctr"/>
+          <a:lstStyle/>
+          <a:p>
+            <a:pPr algn="ctr"/>
+            <a:endParaRPr lang="en-US"/>
+          </a:p>
+        </p:txBody>
+      </p:sp>
+      <p:sp>
+        <p:nvSpPr>
+          <p:cNvPr id="21" name="Arrow: Right 20">
+            <a:extLst>
+              <a:ext uri="{FF2B5EF4-FFF2-40B4-BE49-F238E27FC236}">
+                <a16:creationId xmlns:a16="http://schemas.microsoft.com/office/drawing/2014/main" id="{381FEC2F-9CEF-4C51-B140-2D63190D757C}"/>
+              </a:ext>
+            </a:extLst>
+          </p:cNvPr>
+          <p:cNvSpPr/>
+          <p:nvPr/>
+        </p:nvSpPr>
+        <p:spPr>
+          <a:xfrm>
+            <a:off x="7273809" y="5492112"/>
+            <a:ext cx="950866" cy="134965"/>
+          </a:xfrm>
+          <a:prstGeom prst="rightArrow">
+            <a:avLst/>
+          </a:prstGeom>
+          <a:solidFill>
+            <a:srgbClr val="C00000"/>
+          </a:solidFill>
+          <a:ln>
+            <a:solidFill>
+              <a:srgbClr val="C00000"/>
+            </a:solidFill>
+          </a:ln>
+        </p:spPr>
+        <p:style>
+          <a:lnRef idx="2">
+            <a:schemeClr val="accent1">
+              <a:shade val="50000"/>
+            </a:schemeClr>
+          </a:lnRef>
+          <a:fillRef idx="1">
+            <a:schemeClr val="accent1"/>
+          </a:fillRef>
+          <a:effectRef idx="0">
+            <a:schemeClr val="accent1"/>
+          </a:effectRef>
+          <a:fontRef idx="minor">
+            <a:schemeClr val="lt1"/>
+          </a:fontRef>
+        </p:style>
+        <p:txBody>
+          <a:bodyPr rtlCol="0" anchor="ctr"/>
+          <a:lstStyle/>
+          <a:p>
+            <a:pPr algn="ctr"/>
+            <a:endParaRPr lang="en-US"/>
+          </a:p>
+        </p:txBody>
+      </p:sp>
+      <p:sp>
+        <p:nvSpPr>
+          <p:cNvPr id="22" name="Arrow: Right 21">
+            <a:extLst>
+              <a:ext uri="{FF2B5EF4-FFF2-40B4-BE49-F238E27FC236}">
+                <a16:creationId xmlns:a16="http://schemas.microsoft.com/office/drawing/2014/main" id="{AED06C6C-628E-4FFE-BA5A-3C19306494CE}"/>
+              </a:ext>
+            </a:extLst>
+          </p:cNvPr>
+          <p:cNvSpPr/>
+          <p:nvPr/>
+        </p:nvSpPr>
+        <p:spPr>
+          <a:xfrm>
+            <a:off x="9574151" y="5900669"/>
+            <a:ext cx="747257" cy="106235"/>
+          </a:xfrm>
+          <a:prstGeom prst="rightArrow">
+            <a:avLst/>
+          </a:prstGeom>
+          <a:solidFill>
+            <a:srgbClr val="C00000"/>
+          </a:solidFill>
+          <a:ln>
+            <a:solidFill>
+              <a:srgbClr val="C00000"/>
+            </a:solidFill>
+          </a:ln>
+        </p:spPr>
+        <p:style>
+          <a:lnRef idx="2">
+            <a:schemeClr val="accent1">
+              <a:shade val="50000"/>
+            </a:schemeClr>
+          </a:lnRef>
+          <a:fillRef idx="1">
+            <a:schemeClr val="accent1"/>
+          </a:fillRef>
+          <a:effectRef idx="0">
+            <a:schemeClr val="accent1"/>
+          </a:effectRef>
+          <a:fontRef idx="minor">
+            <a:schemeClr val="lt1"/>
+          </a:fontRef>
+        </p:style>
+        <p:txBody>
+          <a:bodyPr rtlCol="0" anchor="ctr"/>
+          <a:lstStyle/>
+          <a:p>
+            <a:pPr algn="ctr"/>
+            <a:endParaRPr lang="en-US"/>
+          </a:p>
+        </p:txBody>
+      </p:sp>
+      <p:sp>
+        <p:nvSpPr>
+          <p:cNvPr id="23" name="Rectangle 22">
+            <a:extLst>
+              <a:ext uri="{FF2B5EF4-FFF2-40B4-BE49-F238E27FC236}">
+                <a16:creationId xmlns:a16="http://schemas.microsoft.com/office/drawing/2014/main" id="{1E1BD8F6-72BB-49AE-9F34-384060645F6F}"/>
+              </a:ext>
+            </a:extLst>
+          </p:cNvPr>
+          <p:cNvSpPr/>
+          <p:nvPr/>
+        </p:nvSpPr>
+        <p:spPr>
+          <a:xfrm>
+            <a:off x="9901990" y="3713871"/>
+            <a:ext cx="81140" cy="730699"/>
+          </a:xfrm>
+          <a:prstGeom prst="rect">
+            <a:avLst/>
+          </a:prstGeom>
+          <a:solidFill>
+            <a:srgbClr val="C00000"/>
+          </a:solidFill>
+          <a:ln>
+            <a:solidFill>
+              <a:srgbClr val="C00000"/>
+            </a:solidFill>
+          </a:ln>
+        </p:spPr>
+        <p:style>
+          <a:lnRef idx="2">
+            <a:schemeClr val="accent1">
+              <a:shade val="50000"/>
+            </a:schemeClr>
+          </a:lnRef>
+          <a:fillRef idx="1">
+            <a:schemeClr val="accent1"/>
+          </a:fillRef>
+          <a:effectRef idx="0">
+            <a:schemeClr val="accent1"/>
+          </a:effectRef>
+          <a:fontRef idx="minor">
+            <a:schemeClr val="lt1"/>
+          </a:fontRef>
+        </p:style>
+        <p:txBody>
+          <a:bodyPr rtlCol="0" anchor="ctr"/>
+          <a:lstStyle/>
+          <a:p>
+            <a:pPr algn="ctr"/>
+            <a:endParaRPr lang="en-US"/>
+          </a:p>
+        </p:txBody>
+      </p:sp>
+    </p:spTree>
+    <p:extLst>
+      <p:ext uri="{BB962C8B-B14F-4D97-AF65-F5344CB8AC3E}">
+        <p14:creationId xmlns:p14="http://schemas.microsoft.com/office/powerpoint/2010/main" val="2601575582"/>
+      </p:ext>
+    </p:extLst>
+  </p:cSld>
+  <p:clrMapOvr>
+    <a:masterClrMapping/>
+  </p:clrMapOvr>
+</p:sld>
+</file>
+
+<file path=ppt/slides/slide11.xml><?xml version="1.0" encoding="utf-8"?>
+<p:sld xmlns:a="http://schemas.openxmlformats.org/drawingml/2006/main" xmlns:r="http://schemas.openxmlformats.org/officeDocument/2006/relationships" xmlns:p="http://schemas.openxmlformats.org/presentationml/2006/main">
+  <p:cSld>
+    <p:spTree>
+      <p:nvGrpSpPr>
         <p:cNvPr id="1" name="Shape 335"/>
         <p:cNvGrpSpPr/>
         <p:nvPr/>
@@ -27722,7 +28442,7 @@
 </p:sld>
 </file>
 
-<file path=ppt/slides/slide11.xml><?xml version="1.0" encoding="utf-8"?>
+<file path=ppt/slides/slide12.xml><?xml version="1.0" encoding="utf-8"?>
 <p:sld xmlns:a="http://schemas.openxmlformats.org/drawingml/2006/main" xmlns:r="http://schemas.openxmlformats.org/officeDocument/2006/relationships" xmlns:p="http://schemas.openxmlformats.org/presentationml/2006/main">
   <p:cSld>
     <p:spTree>

--- a/Final-Group-Presentation/Presentation.pptx
+++ b/Final-Group-Presentation/Presentation.pptx
@@ -5,7 +5,7 @@
     <p:sldMasterId id="2147483665" r:id="rId1"/>
   </p:sldMasterIdLst>
   <p:notesMasterIdLst>
-    <p:notesMasterId r:id="rId14"/>
+    <p:notesMasterId r:id="rId16"/>
   </p:notesMasterIdLst>
   <p:sldIdLst>
     <p:sldId id="256" r:id="rId2"/>
@@ -17,16 +17,18 @@
     <p:sldId id="262" r:id="rId8"/>
     <p:sldId id="264" r:id="rId9"/>
     <p:sldId id="265" r:id="rId10"/>
-    <p:sldId id="267" r:id="rId11"/>
-    <p:sldId id="266" r:id="rId12"/>
-    <p:sldId id="263" r:id="rId13"/>
+    <p:sldId id="269" r:id="rId11"/>
+    <p:sldId id="267" r:id="rId12"/>
+    <p:sldId id="266" r:id="rId13"/>
+    <p:sldId id="270" r:id="rId14"/>
+    <p:sldId id="263" r:id="rId15"/>
   </p:sldIdLst>
   <p:sldSz cx="12192000" cy="6858000"/>
   <p:notesSz cx="6858000" cy="9144000"/>
   <p:embeddedFontLst>
     <p:embeddedFont>
       <p:font typeface="Questrial" panose="020B0604020202020204" charset="0"/>
-      <p:regular r:id="rId15"/>
+      <p:regular r:id="rId17"/>
     </p:embeddedFont>
   </p:embeddedFontLst>
   <p:defaultTextStyle>
@@ -27591,6 +27593,326 @@
           <a:chExt cx="0" cy="0"/>
         </a:xfrm>
       </p:grpSpPr>
+      <p:sp>
+        <p:nvSpPr>
+          <p:cNvPr id="2" name="Title 1">
+            <a:extLst>
+              <a:ext uri="{FF2B5EF4-FFF2-40B4-BE49-F238E27FC236}">
+                <a16:creationId xmlns:a16="http://schemas.microsoft.com/office/drawing/2014/main" id="{8329DCDB-B75B-4E63-819D-436B7B95A548}"/>
+              </a:ext>
+            </a:extLst>
+          </p:cNvPr>
+          <p:cNvSpPr>
+            <a:spLocks noGrp="1"/>
+          </p:cNvSpPr>
+          <p:nvPr>
+            <p:ph type="title"/>
+          </p:nvPr>
+        </p:nvSpPr>
+        <p:spPr>
+          <a:xfrm>
+            <a:off x="917713" y="254468"/>
+            <a:ext cx="9905998" cy="971743"/>
+          </a:xfrm>
+        </p:spPr>
+        <p:txBody>
+          <a:bodyPr/>
+          <a:lstStyle/>
+          <a:p>
+            <a:r>
+              <a:rPr lang="en-US" dirty="0"/>
+              <a:t>Convolutional Neural Networks</a:t>
+            </a:r>
+          </a:p>
+        </p:txBody>
+      </p:sp>
+      <p:sp>
+        <p:nvSpPr>
+          <p:cNvPr id="3" name="Content Placeholder 2">
+            <a:extLst>
+              <a:ext uri="{FF2B5EF4-FFF2-40B4-BE49-F238E27FC236}">
+                <a16:creationId xmlns:a16="http://schemas.microsoft.com/office/drawing/2014/main" id="{23B497CA-4153-42FB-80E4-1BF837161197}"/>
+              </a:ext>
+            </a:extLst>
+          </p:cNvPr>
+          <p:cNvSpPr>
+            <a:spLocks noGrp="1"/>
+          </p:cNvSpPr>
+          <p:nvPr>
+            <p:ph idx="1"/>
+          </p:nvPr>
+        </p:nvSpPr>
+        <p:spPr>
+          <a:xfrm>
+            <a:off x="636105" y="1099929"/>
+            <a:ext cx="4427214" cy="5503603"/>
+          </a:xfrm>
+        </p:spPr>
+        <p:txBody>
+          <a:bodyPr>
+            <a:normAutofit fontScale="77500" lnSpcReduction="20000"/>
+          </a:bodyPr>
+          <a:lstStyle/>
+          <a:p>
+            <a:r>
+              <a:rPr lang="en-US" dirty="0"/>
+              <a:t>Convolutional Neural Network</a:t>
+            </a:r>
+          </a:p>
+          <a:p>
+            <a:pPr lvl="1"/>
+            <a:r>
+              <a:rPr lang="en-US" dirty="0"/>
+              <a:t>Convolutional Layers</a:t>
+            </a:r>
+          </a:p>
+          <a:p>
+            <a:pPr lvl="2"/>
+            <a:r>
+              <a:rPr lang="en-US" dirty="0"/>
+              <a:t>Stride over image with various number of weight matrices to detect edges and patterns</a:t>
+            </a:r>
+          </a:p>
+          <a:p>
+            <a:pPr lvl="2"/>
+            <a:r>
+              <a:rPr lang="en-US" dirty="0"/>
+              <a:t>Parameters include: Kernel Size, Stride, Padding </a:t>
+            </a:r>
+          </a:p>
+          <a:p>
+            <a:pPr lvl="1"/>
+            <a:r>
+              <a:rPr lang="en-US" dirty="0"/>
+              <a:t>Activation</a:t>
+            </a:r>
+          </a:p>
+          <a:p>
+            <a:pPr lvl="2"/>
+            <a:r>
+              <a:rPr lang="en-US" dirty="0"/>
+              <a:t>ReLU </a:t>
+            </a:r>
+          </a:p>
+          <a:p>
+            <a:pPr lvl="1"/>
+            <a:r>
+              <a:rPr lang="en-US" dirty="0"/>
+              <a:t>Max Pooling Layers</a:t>
+            </a:r>
+          </a:p>
+          <a:p>
+            <a:pPr lvl="2"/>
+            <a:r>
+              <a:rPr lang="en-US" dirty="0"/>
+              <a:t>Shrink images based on maximum </a:t>
+            </a:r>
+          </a:p>
+          <a:p>
+            <a:pPr marL="914400" lvl="2" indent="0">
+              <a:buNone/>
+            </a:pPr>
+            <a:r>
+              <a:rPr lang="en-US" dirty="0"/>
+              <a:t>    value in kernel</a:t>
+            </a:r>
+          </a:p>
+          <a:p>
+            <a:pPr lvl="1"/>
+            <a:r>
+              <a:rPr lang="en-US" dirty="0"/>
+              <a:t>Flatten</a:t>
+            </a:r>
+          </a:p>
+          <a:p>
+            <a:pPr lvl="2"/>
+            <a:r>
+              <a:rPr lang="en-US" dirty="0"/>
+              <a:t>Flatten into 1d array</a:t>
+            </a:r>
+          </a:p>
+          <a:p>
+            <a:pPr lvl="1"/>
+            <a:r>
+              <a:rPr lang="en-US" dirty="0"/>
+              <a:t>Fully Connected Layer</a:t>
+            </a:r>
+          </a:p>
+          <a:p>
+            <a:pPr lvl="2"/>
+            <a:r>
+              <a:rPr lang="en-US" dirty="0"/>
+              <a:t>Fully connected layer</a:t>
+            </a:r>
+          </a:p>
+          <a:p>
+            <a:pPr lvl="1"/>
+            <a:r>
+              <a:rPr lang="en-US" dirty="0"/>
+              <a:t>Softmax Output</a:t>
+            </a:r>
+          </a:p>
+          <a:p>
+            <a:pPr lvl="2"/>
+            <a:r>
+              <a:rPr lang="en-US" dirty="0"/>
+              <a:t>Class probability</a:t>
+            </a:r>
+          </a:p>
+        </p:txBody>
+      </p:sp>
+      <p:pic>
+        <p:nvPicPr>
+          <p:cNvPr id="4098" name="Picture 2" descr="Image result for convolutional neural network">
+            <a:extLst>
+              <a:ext uri="{FF2B5EF4-FFF2-40B4-BE49-F238E27FC236}">
+                <a16:creationId xmlns:a16="http://schemas.microsoft.com/office/drawing/2014/main" id="{873D886A-2990-4D4D-B258-DDE4CF1C4DD7}"/>
+              </a:ext>
+            </a:extLst>
+          </p:cNvPr>
+          <p:cNvPicPr>
+            <a:picLocks noChangeAspect="1" noChangeArrowheads="1"/>
+          </p:cNvPicPr>
+          <p:nvPr/>
+        </p:nvPicPr>
+        <p:blipFill>
+          <a:blip r:embed="rId2">
+            <a:extLst>
+              <a:ext uri="{28A0092B-C50C-407E-A947-70E740481C1C}">
+                <a14:useLocalDpi xmlns:a14="http://schemas.microsoft.com/office/drawing/2010/main" val="0"/>
+              </a:ext>
+            </a:extLst>
+          </a:blip>
+          <a:srcRect/>
+          <a:stretch>
+            <a:fillRect/>
+          </a:stretch>
+        </p:blipFill>
+        <p:spPr bwMode="auto">
+          <a:xfrm>
+            <a:off x="4916081" y="1335315"/>
+            <a:ext cx="6897577" cy="2309674"/>
+          </a:xfrm>
+          <a:prstGeom prst="rect">
+            <a:avLst/>
+          </a:prstGeom>
+          <a:noFill/>
+          <a:extLst>
+            <a:ext uri="{909E8E84-426E-40DD-AFC4-6F175D3DCCD1}">
+              <a14:hiddenFill xmlns:a14="http://schemas.microsoft.com/office/drawing/2010/main">
+                <a:solidFill>
+                  <a:srgbClr val="FFFFFF"/>
+                </a:solidFill>
+              </a14:hiddenFill>
+            </a:ext>
+          </a:extLst>
+        </p:spPr>
+      </p:pic>
+      <p:pic>
+        <p:nvPicPr>
+          <p:cNvPr id="5" name="Picture 4">
+            <a:extLst>
+              <a:ext uri="{FF2B5EF4-FFF2-40B4-BE49-F238E27FC236}">
+                <a16:creationId xmlns:a16="http://schemas.microsoft.com/office/drawing/2014/main" id="{EA7B1DF3-ECC1-483B-95BC-57D17F231295}"/>
+              </a:ext>
+            </a:extLst>
+          </p:cNvPr>
+          <p:cNvPicPr>
+            <a:picLocks noChangeAspect="1"/>
+          </p:cNvPicPr>
+          <p:nvPr/>
+        </p:nvPicPr>
+        <p:blipFill>
+          <a:blip r:embed="rId3">
+            <a:extLst>
+              <a:ext uri="{28A0092B-C50C-407E-A947-70E740481C1C}">
+                <a14:useLocalDpi xmlns:a14="http://schemas.microsoft.com/office/drawing/2010/main" val="0"/>
+              </a:ext>
+            </a:extLst>
+          </a:blip>
+          <a:stretch>
+            <a:fillRect/>
+          </a:stretch>
+        </p:blipFill>
+        <p:spPr>
+          <a:xfrm>
+            <a:off x="8083371" y="4292544"/>
+            <a:ext cx="3730287" cy="1556773"/>
+          </a:xfrm>
+          <a:prstGeom prst="rect">
+            <a:avLst/>
+          </a:prstGeom>
+        </p:spPr>
+      </p:pic>
+      <p:pic>
+        <p:nvPicPr>
+          <p:cNvPr id="8" name="Picture 7" descr="https://lh5.googleusercontent.com/8rFlk-wjbkK6LZBQJfB04jmLkKKJe67F-1NK8oKbp6vh0nRSVJBEoHHc-RkAsK8RD158gBsRESyjbENN5WL6f9VeSgzercFG5hy_XmBMMng94TvQkyLqBhhBYvMYlGF2qduQA5I">
+            <a:extLst>
+              <a:ext uri="{FF2B5EF4-FFF2-40B4-BE49-F238E27FC236}">
+                <a16:creationId xmlns:a16="http://schemas.microsoft.com/office/drawing/2014/main" id="{12D5E34C-FA2C-40AD-9FE6-3B7D6E2F2F5F}"/>
+              </a:ext>
+            </a:extLst>
+          </p:cNvPr>
+          <p:cNvPicPr/>
+          <p:nvPr/>
+        </p:nvPicPr>
+        <p:blipFill>
+          <a:blip r:embed="rId4">
+            <a:extLst>
+              <a:ext uri="{28A0092B-C50C-407E-A947-70E740481C1C}">
+                <a14:useLocalDpi xmlns:a14="http://schemas.microsoft.com/office/drawing/2010/main" val="0"/>
+              </a:ext>
+            </a:extLst>
+          </a:blip>
+          <a:srcRect/>
+          <a:stretch>
+            <a:fillRect/>
+          </a:stretch>
+        </p:blipFill>
+        <p:spPr bwMode="auto">
+          <a:xfrm>
+            <a:off x="4948306" y="3851730"/>
+            <a:ext cx="3080854" cy="2309675"/>
+          </a:xfrm>
+          <a:prstGeom prst="rect">
+            <a:avLst/>
+          </a:prstGeom>
+          <a:noFill/>
+          <a:ln>
+            <a:noFill/>
+          </a:ln>
+        </p:spPr>
+      </p:pic>
+    </p:spTree>
+    <p:extLst>
+      <p:ext uri="{BB962C8B-B14F-4D97-AF65-F5344CB8AC3E}">
+        <p14:creationId xmlns:p14="http://schemas.microsoft.com/office/powerpoint/2010/main" val="509415706"/>
+      </p:ext>
+    </p:extLst>
+  </p:cSld>
+  <p:clrMapOvr>
+    <a:masterClrMapping/>
+  </p:clrMapOvr>
+</p:sld>
+</file>
+
+<file path=ppt/slides/slide11.xml><?xml version="1.0" encoding="utf-8"?>
+<p:sld xmlns:a="http://schemas.openxmlformats.org/drawingml/2006/main" xmlns:r="http://schemas.openxmlformats.org/officeDocument/2006/relationships" xmlns:p="http://schemas.openxmlformats.org/presentationml/2006/main">
+  <p:cSld>
+    <p:spTree>
+      <p:nvGrpSpPr>
+        <p:cNvPr id="1" name=""/>
+        <p:cNvGrpSpPr/>
+        <p:nvPr/>
+      </p:nvGrpSpPr>
+      <p:grpSpPr>
+        <a:xfrm>
+          <a:off x="0" y="0"/>
+          <a:ext cx="0" cy="0"/>
+          <a:chOff x="0" y="0"/>
+          <a:chExt cx="0" cy="0"/>
+        </a:xfrm>
+      </p:grpSpPr>
       <p:pic>
         <p:nvPicPr>
           <p:cNvPr id="5" name="Picture 4">
@@ -27733,7 +28055,7 @@
         </p:blipFill>
         <p:spPr>
           <a:xfrm>
-            <a:off x="9443729" y="1370840"/>
+            <a:off x="9443729" y="946841"/>
             <a:ext cx="2254280" cy="2343031"/>
           </a:xfrm>
           <a:prstGeom prst="rect">
@@ -27793,7 +28115,7 @@
         </p:blipFill>
         <p:spPr>
           <a:xfrm>
-            <a:off x="5468520" y="4302790"/>
+            <a:off x="5468520" y="4302789"/>
             <a:ext cx="1805289" cy="1869005"/>
           </a:xfrm>
           <a:prstGeom prst="rect">
@@ -27853,7 +28175,7 @@
         </p:blipFill>
         <p:spPr>
           <a:xfrm>
-            <a:off x="8238175" y="4923691"/>
+            <a:off x="8238175" y="4613240"/>
             <a:ext cx="1205554" cy="1248103"/>
           </a:xfrm>
           <a:prstGeom prst="rect">
@@ -27913,7 +28235,7 @@
         </p:blipFill>
         <p:spPr>
           <a:xfrm>
-            <a:off x="10408095" y="5376327"/>
+            <a:off x="10408095" y="4839557"/>
             <a:ext cx="747257" cy="795467"/>
           </a:xfrm>
           <a:prstGeom prst="rect">
@@ -27951,330 +28273,6 @@
           </a:sp3d>
         </p:spPr>
       </p:pic>
-      <p:sp>
-        <p:nvSpPr>
-          <p:cNvPr id="18" name="Arrow: Right 17">
-            <a:extLst>
-              <a:ext uri="{FF2B5EF4-FFF2-40B4-BE49-F238E27FC236}">
-                <a16:creationId xmlns:a16="http://schemas.microsoft.com/office/drawing/2014/main" id="{4F4CA11B-0AC1-4727-97FC-157462C581E0}"/>
-              </a:ext>
-            </a:extLst>
-          </p:cNvPr>
-          <p:cNvSpPr/>
-          <p:nvPr/>
-        </p:nvSpPr>
-        <p:spPr>
-          <a:xfrm>
-            <a:off x="4750224" y="1820004"/>
-            <a:ext cx="950866" cy="247948"/>
-          </a:xfrm>
-          <a:prstGeom prst="rightArrow">
-            <a:avLst/>
-          </a:prstGeom>
-          <a:solidFill>
-            <a:srgbClr val="C00000"/>
-          </a:solidFill>
-          <a:ln>
-            <a:solidFill>
-              <a:srgbClr val="C00000"/>
-            </a:solidFill>
-          </a:ln>
-        </p:spPr>
-        <p:style>
-          <a:lnRef idx="2">
-            <a:schemeClr val="accent1">
-              <a:shade val="50000"/>
-            </a:schemeClr>
-          </a:lnRef>
-          <a:fillRef idx="1">
-            <a:schemeClr val="accent1"/>
-          </a:fillRef>
-          <a:effectRef idx="0">
-            <a:schemeClr val="accent1"/>
-          </a:effectRef>
-          <a:fontRef idx="minor">
-            <a:schemeClr val="lt1"/>
-          </a:fontRef>
-        </p:style>
-        <p:txBody>
-          <a:bodyPr rtlCol="0" anchor="ctr"/>
-          <a:lstStyle/>
-          <a:p>
-            <a:pPr algn="ctr"/>
-            <a:endParaRPr lang="en-US"/>
-          </a:p>
-        </p:txBody>
-      </p:sp>
-      <p:sp>
-        <p:nvSpPr>
-          <p:cNvPr id="19" name="Arrow: Right 18">
-            <a:extLst>
-              <a:ext uri="{FF2B5EF4-FFF2-40B4-BE49-F238E27FC236}">
-                <a16:creationId xmlns:a16="http://schemas.microsoft.com/office/drawing/2014/main" id="{EF475799-F0FF-48E3-939C-4052C37E6FA7}"/>
-              </a:ext>
-            </a:extLst>
-          </p:cNvPr>
-          <p:cNvSpPr/>
-          <p:nvPr/>
-        </p:nvSpPr>
-        <p:spPr>
-          <a:xfrm>
-            <a:off x="8623285" y="2418381"/>
-            <a:ext cx="950866" cy="247948"/>
-          </a:xfrm>
-          <a:prstGeom prst="rightArrow">
-            <a:avLst/>
-          </a:prstGeom>
-          <a:solidFill>
-            <a:srgbClr val="C00000"/>
-          </a:solidFill>
-          <a:ln>
-            <a:solidFill>
-              <a:srgbClr val="C00000"/>
-            </a:solidFill>
-          </a:ln>
-        </p:spPr>
-        <p:style>
-          <a:lnRef idx="2">
-            <a:schemeClr val="accent1">
-              <a:shade val="50000"/>
-            </a:schemeClr>
-          </a:lnRef>
-          <a:fillRef idx="1">
-            <a:schemeClr val="accent1"/>
-          </a:fillRef>
-          <a:effectRef idx="0">
-            <a:schemeClr val="accent1"/>
-          </a:effectRef>
-          <a:fontRef idx="minor">
-            <a:schemeClr val="lt1"/>
-          </a:fontRef>
-        </p:style>
-        <p:txBody>
-          <a:bodyPr rtlCol="0" anchor="ctr"/>
-          <a:lstStyle/>
-          <a:p>
-            <a:pPr algn="ctr"/>
-            <a:endParaRPr lang="en-US"/>
-          </a:p>
-        </p:txBody>
-      </p:sp>
-      <p:sp>
-        <p:nvSpPr>
-          <p:cNvPr id="20" name="Arrow: Right 19">
-            <a:extLst>
-              <a:ext uri="{FF2B5EF4-FFF2-40B4-BE49-F238E27FC236}">
-                <a16:creationId xmlns:a16="http://schemas.microsoft.com/office/drawing/2014/main" id="{0DF8E80C-8604-473D-842C-3B0139D6D164}"/>
-              </a:ext>
-            </a:extLst>
-          </p:cNvPr>
-          <p:cNvSpPr/>
-          <p:nvPr/>
-        </p:nvSpPr>
-        <p:spPr>
-          <a:xfrm rot="10800000">
-            <a:off x="7340253" y="4373680"/>
-            <a:ext cx="2649034" cy="141780"/>
-          </a:xfrm>
-          <a:prstGeom prst="rightArrow">
-            <a:avLst/>
-          </a:prstGeom>
-          <a:solidFill>
-            <a:srgbClr val="C00000"/>
-          </a:solidFill>
-          <a:ln>
-            <a:solidFill>
-              <a:srgbClr val="C00000"/>
-            </a:solidFill>
-          </a:ln>
-        </p:spPr>
-        <p:style>
-          <a:lnRef idx="2">
-            <a:schemeClr val="accent1">
-              <a:shade val="50000"/>
-            </a:schemeClr>
-          </a:lnRef>
-          <a:fillRef idx="1">
-            <a:schemeClr val="accent1"/>
-          </a:fillRef>
-          <a:effectRef idx="0">
-            <a:schemeClr val="accent1"/>
-          </a:effectRef>
-          <a:fontRef idx="minor">
-            <a:schemeClr val="lt1"/>
-          </a:fontRef>
-        </p:style>
-        <p:txBody>
-          <a:bodyPr rtlCol="0" anchor="ctr"/>
-          <a:lstStyle/>
-          <a:p>
-            <a:pPr algn="ctr"/>
-            <a:endParaRPr lang="en-US"/>
-          </a:p>
-        </p:txBody>
-      </p:sp>
-      <p:sp>
-        <p:nvSpPr>
-          <p:cNvPr id="21" name="Arrow: Right 20">
-            <a:extLst>
-              <a:ext uri="{FF2B5EF4-FFF2-40B4-BE49-F238E27FC236}">
-                <a16:creationId xmlns:a16="http://schemas.microsoft.com/office/drawing/2014/main" id="{381FEC2F-9CEF-4C51-B140-2D63190D757C}"/>
-              </a:ext>
-            </a:extLst>
-          </p:cNvPr>
-          <p:cNvSpPr/>
-          <p:nvPr/>
-        </p:nvSpPr>
-        <p:spPr>
-          <a:xfrm>
-            <a:off x="7273809" y="5492112"/>
-            <a:ext cx="950866" cy="134965"/>
-          </a:xfrm>
-          <a:prstGeom prst="rightArrow">
-            <a:avLst/>
-          </a:prstGeom>
-          <a:solidFill>
-            <a:srgbClr val="C00000"/>
-          </a:solidFill>
-          <a:ln>
-            <a:solidFill>
-              <a:srgbClr val="C00000"/>
-            </a:solidFill>
-          </a:ln>
-        </p:spPr>
-        <p:style>
-          <a:lnRef idx="2">
-            <a:schemeClr val="accent1">
-              <a:shade val="50000"/>
-            </a:schemeClr>
-          </a:lnRef>
-          <a:fillRef idx="1">
-            <a:schemeClr val="accent1"/>
-          </a:fillRef>
-          <a:effectRef idx="0">
-            <a:schemeClr val="accent1"/>
-          </a:effectRef>
-          <a:fontRef idx="minor">
-            <a:schemeClr val="lt1"/>
-          </a:fontRef>
-        </p:style>
-        <p:txBody>
-          <a:bodyPr rtlCol="0" anchor="ctr"/>
-          <a:lstStyle/>
-          <a:p>
-            <a:pPr algn="ctr"/>
-            <a:endParaRPr lang="en-US"/>
-          </a:p>
-        </p:txBody>
-      </p:sp>
-      <p:sp>
-        <p:nvSpPr>
-          <p:cNvPr id="22" name="Arrow: Right 21">
-            <a:extLst>
-              <a:ext uri="{FF2B5EF4-FFF2-40B4-BE49-F238E27FC236}">
-                <a16:creationId xmlns:a16="http://schemas.microsoft.com/office/drawing/2014/main" id="{AED06C6C-628E-4FFE-BA5A-3C19306494CE}"/>
-              </a:ext>
-            </a:extLst>
-          </p:cNvPr>
-          <p:cNvSpPr/>
-          <p:nvPr/>
-        </p:nvSpPr>
-        <p:spPr>
-          <a:xfrm>
-            <a:off x="9574151" y="5900669"/>
-            <a:ext cx="747257" cy="106235"/>
-          </a:xfrm>
-          <a:prstGeom prst="rightArrow">
-            <a:avLst/>
-          </a:prstGeom>
-          <a:solidFill>
-            <a:srgbClr val="C00000"/>
-          </a:solidFill>
-          <a:ln>
-            <a:solidFill>
-              <a:srgbClr val="C00000"/>
-            </a:solidFill>
-          </a:ln>
-        </p:spPr>
-        <p:style>
-          <a:lnRef idx="2">
-            <a:schemeClr val="accent1">
-              <a:shade val="50000"/>
-            </a:schemeClr>
-          </a:lnRef>
-          <a:fillRef idx="1">
-            <a:schemeClr val="accent1"/>
-          </a:fillRef>
-          <a:effectRef idx="0">
-            <a:schemeClr val="accent1"/>
-          </a:effectRef>
-          <a:fontRef idx="minor">
-            <a:schemeClr val="lt1"/>
-          </a:fontRef>
-        </p:style>
-        <p:txBody>
-          <a:bodyPr rtlCol="0" anchor="ctr"/>
-          <a:lstStyle/>
-          <a:p>
-            <a:pPr algn="ctr"/>
-            <a:endParaRPr lang="en-US"/>
-          </a:p>
-        </p:txBody>
-      </p:sp>
-      <p:sp>
-        <p:nvSpPr>
-          <p:cNvPr id="23" name="Rectangle 22">
-            <a:extLst>
-              <a:ext uri="{FF2B5EF4-FFF2-40B4-BE49-F238E27FC236}">
-                <a16:creationId xmlns:a16="http://schemas.microsoft.com/office/drawing/2014/main" id="{1E1BD8F6-72BB-49AE-9F34-384060645F6F}"/>
-              </a:ext>
-            </a:extLst>
-          </p:cNvPr>
-          <p:cNvSpPr/>
-          <p:nvPr/>
-        </p:nvSpPr>
-        <p:spPr>
-          <a:xfrm>
-            <a:off x="9901990" y="3713871"/>
-            <a:ext cx="81140" cy="730699"/>
-          </a:xfrm>
-          <a:prstGeom prst="rect">
-            <a:avLst/>
-          </a:prstGeom>
-          <a:solidFill>
-            <a:srgbClr val="C00000"/>
-          </a:solidFill>
-          <a:ln>
-            <a:solidFill>
-              <a:srgbClr val="C00000"/>
-            </a:solidFill>
-          </a:ln>
-        </p:spPr>
-        <p:style>
-          <a:lnRef idx="2">
-            <a:schemeClr val="accent1">
-              <a:shade val="50000"/>
-            </a:schemeClr>
-          </a:lnRef>
-          <a:fillRef idx="1">
-            <a:schemeClr val="accent1"/>
-          </a:fillRef>
-          <a:effectRef idx="0">
-            <a:schemeClr val="accent1"/>
-          </a:effectRef>
-          <a:fontRef idx="minor">
-            <a:schemeClr val="lt1"/>
-          </a:fontRef>
-        </p:style>
-        <p:txBody>
-          <a:bodyPr rtlCol="0" anchor="ctr"/>
-          <a:lstStyle/>
-          <a:p>
-            <a:pPr algn="ctr"/>
-            <a:endParaRPr lang="en-US"/>
-          </a:p>
-        </p:txBody>
-      </p:sp>
     </p:spTree>
     <p:extLst>
       <p:ext uri="{BB962C8B-B14F-4D97-AF65-F5344CB8AC3E}">
@@ -28288,7 +28286,7 @@
 </p:sld>
 </file>
 
-<file path=ppt/slides/slide11.xml><?xml version="1.0" encoding="utf-8"?>
+<file path=ppt/slides/slide12.xml><?xml version="1.0" encoding="utf-8"?>
 <p:sld xmlns:a="http://schemas.openxmlformats.org/drawingml/2006/main" xmlns:r="http://schemas.openxmlformats.org/officeDocument/2006/relationships" xmlns:p="http://schemas.openxmlformats.org/presentationml/2006/main">
   <p:cSld>
     <p:spTree>
@@ -28442,7 +28440,271 @@
 </p:sld>
 </file>
 
-<file path=ppt/slides/slide12.xml><?xml version="1.0" encoding="utf-8"?>
+<file path=ppt/slides/slide13.xml><?xml version="1.0" encoding="utf-8"?>
+<p:sld xmlns:a="http://schemas.openxmlformats.org/drawingml/2006/main" xmlns:r="http://schemas.openxmlformats.org/officeDocument/2006/relationships" xmlns:p="http://schemas.openxmlformats.org/presentationml/2006/main">
+  <p:cSld>
+    <p:spTree>
+      <p:nvGrpSpPr>
+        <p:cNvPr id="1" name=""/>
+        <p:cNvGrpSpPr/>
+        <p:nvPr/>
+      </p:nvGrpSpPr>
+      <p:grpSpPr>
+        <a:xfrm>
+          <a:off x="0" y="0"/>
+          <a:ext cx="0" cy="0"/>
+          <a:chOff x="0" y="0"/>
+          <a:chExt cx="0" cy="0"/>
+        </a:xfrm>
+      </p:grpSpPr>
+      <p:sp>
+        <p:nvSpPr>
+          <p:cNvPr id="2" name="Title 1">
+            <a:extLst>
+              <a:ext uri="{FF2B5EF4-FFF2-40B4-BE49-F238E27FC236}">
+                <a16:creationId xmlns:a16="http://schemas.microsoft.com/office/drawing/2014/main" id="{67FE8C79-874D-4081-B2BA-7BFF55A13316}"/>
+              </a:ext>
+            </a:extLst>
+          </p:cNvPr>
+          <p:cNvSpPr>
+            <a:spLocks noGrp="1"/>
+          </p:cNvSpPr>
+          <p:nvPr>
+            <p:ph type="title"/>
+          </p:nvPr>
+        </p:nvSpPr>
+        <p:spPr/>
+        <p:txBody>
+          <a:bodyPr/>
+          <a:lstStyle/>
+          <a:p>
+            <a:endParaRPr lang="en-US" dirty="0"/>
+          </a:p>
+        </p:txBody>
+      </p:sp>
+      <p:sp>
+        <p:nvSpPr>
+          <p:cNvPr id="3" name="Text Placeholder 2">
+            <a:extLst>
+              <a:ext uri="{FF2B5EF4-FFF2-40B4-BE49-F238E27FC236}">
+                <a16:creationId xmlns:a16="http://schemas.microsoft.com/office/drawing/2014/main" id="{90662F52-8146-4359-BB08-DC9E774C6D16}"/>
+              </a:ext>
+            </a:extLst>
+          </p:cNvPr>
+          <p:cNvSpPr>
+            <a:spLocks noGrp="1"/>
+          </p:cNvSpPr>
+          <p:nvPr>
+            <p:ph type="body" idx="1"/>
+          </p:nvPr>
+        </p:nvSpPr>
+        <p:spPr/>
+        <p:txBody>
+          <a:bodyPr/>
+          <a:lstStyle/>
+          <a:p>
+            <a:endParaRPr lang="en-US"/>
+          </a:p>
+        </p:txBody>
+      </p:sp>
+      <p:sp>
+        <p:nvSpPr>
+          <p:cNvPr id="5" name="Rectangle 4">
+            <a:extLst>
+              <a:ext uri="{FF2B5EF4-FFF2-40B4-BE49-F238E27FC236}">
+                <a16:creationId xmlns:a16="http://schemas.microsoft.com/office/drawing/2014/main" id="{26BF6FB6-471F-43B8-AA50-E4F4C47AF659}"/>
+              </a:ext>
+            </a:extLst>
+          </p:cNvPr>
+          <p:cNvSpPr/>
+          <p:nvPr/>
+        </p:nvSpPr>
+        <p:spPr>
+          <a:xfrm>
+            <a:off x="5978820" y="3275112"/>
+            <a:ext cx="234360" cy="307777"/>
+          </a:xfrm>
+          <a:prstGeom prst="rect">
+            <a:avLst/>
+          </a:prstGeom>
+        </p:spPr>
+        <p:txBody>
+          <a:bodyPr wrap="none">
+            <a:spAutoFit/>
+          </a:bodyPr>
+          <a:lstStyle/>
+          <a:p>
+            <a:r>
+              <a:rPr lang="en-US" dirty="0"/>
+              <a:t> </a:t>
+            </a:r>
+          </a:p>
+        </p:txBody>
+      </p:sp>
+      <p:pic>
+        <p:nvPicPr>
+          <p:cNvPr id="20" name="Picture 19">
+            <a:extLst>
+              <a:ext uri="{FF2B5EF4-FFF2-40B4-BE49-F238E27FC236}">
+                <a16:creationId xmlns:a16="http://schemas.microsoft.com/office/drawing/2014/main" id="{E403C233-03CC-4048-B405-CF90B57BB62B}"/>
+              </a:ext>
+            </a:extLst>
+          </p:cNvPr>
+          <p:cNvPicPr>
+            <a:picLocks noChangeAspect="1"/>
+          </p:cNvPicPr>
+          <p:nvPr/>
+        </p:nvPicPr>
+        <p:blipFill>
+          <a:blip r:embed="rId2"/>
+          <a:stretch>
+            <a:fillRect/>
+          </a:stretch>
+        </p:blipFill>
+        <p:spPr>
+          <a:xfrm>
+            <a:off x="7454382" y="382588"/>
+            <a:ext cx="2612898" cy="3429000"/>
+          </a:xfrm>
+          <a:prstGeom prst="rect">
+            <a:avLst/>
+          </a:prstGeom>
+        </p:spPr>
+      </p:pic>
+      <p:pic>
+        <p:nvPicPr>
+          <p:cNvPr id="22" name="Picture 21">
+            <a:extLst>
+              <a:ext uri="{FF2B5EF4-FFF2-40B4-BE49-F238E27FC236}">
+                <a16:creationId xmlns:a16="http://schemas.microsoft.com/office/drawing/2014/main" id="{96AF9403-F7C9-40F2-B0B8-A6753F84DAF5}"/>
+              </a:ext>
+            </a:extLst>
+          </p:cNvPr>
+          <p:cNvPicPr>
+            <a:picLocks noChangeAspect="1"/>
+          </p:cNvPicPr>
+          <p:nvPr/>
+        </p:nvPicPr>
+        <p:blipFill>
+          <a:blip r:embed="rId3"/>
+          <a:stretch>
+            <a:fillRect/>
+          </a:stretch>
+        </p:blipFill>
+        <p:spPr>
+          <a:xfrm>
+            <a:off x="398604" y="0"/>
+            <a:ext cx="3286226" cy="4312632"/>
+          </a:xfrm>
+          <a:prstGeom prst="rect">
+            <a:avLst/>
+          </a:prstGeom>
+        </p:spPr>
+      </p:pic>
+      <p:pic>
+        <p:nvPicPr>
+          <p:cNvPr id="24" name="Picture 23">
+            <a:extLst>
+              <a:ext uri="{FF2B5EF4-FFF2-40B4-BE49-F238E27FC236}">
+                <a16:creationId xmlns:a16="http://schemas.microsoft.com/office/drawing/2014/main" id="{E230D761-C6CD-46BE-93C8-26684785A9B1}"/>
+              </a:ext>
+            </a:extLst>
+          </p:cNvPr>
+          <p:cNvPicPr>
+            <a:picLocks noChangeAspect="1"/>
+          </p:cNvPicPr>
+          <p:nvPr/>
+        </p:nvPicPr>
+        <p:blipFill>
+          <a:blip r:embed="rId4"/>
+          <a:stretch>
+            <a:fillRect/>
+          </a:stretch>
+        </p:blipFill>
+        <p:spPr>
+          <a:xfrm>
+            <a:off x="3977518" y="82136"/>
+            <a:ext cx="2888298" cy="3741319"/>
+          </a:xfrm>
+          <a:prstGeom prst="rect">
+            <a:avLst/>
+          </a:prstGeom>
+        </p:spPr>
+      </p:pic>
+      <p:pic>
+        <p:nvPicPr>
+          <p:cNvPr id="28" name="Picture 27">
+            <a:extLst>
+              <a:ext uri="{FF2B5EF4-FFF2-40B4-BE49-F238E27FC236}">
+                <a16:creationId xmlns:a16="http://schemas.microsoft.com/office/drawing/2014/main" id="{75FC7FF7-BE71-46D0-A383-46966966480E}"/>
+              </a:ext>
+            </a:extLst>
+          </p:cNvPr>
+          <p:cNvPicPr>
+            <a:picLocks noChangeAspect="1"/>
+          </p:cNvPicPr>
+          <p:nvPr/>
+        </p:nvPicPr>
+        <p:blipFill>
+          <a:blip r:embed="rId5"/>
+          <a:stretch>
+            <a:fillRect/>
+          </a:stretch>
+        </p:blipFill>
+        <p:spPr>
+          <a:xfrm>
+            <a:off x="3441954" y="0"/>
+            <a:ext cx="5308092" cy="6858000"/>
+          </a:xfrm>
+          <a:prstGeom prst="rect">
+            <a:avLst/>
+          </a:prstGeom>
+        </p:spPr>
+      </p:pic>
+      <p:pic>
+        <p:nvPicPr>
+          <p:cNvPr id="30" name="Picture 29">
+            <a:extLst>
+              <a:ext uri="{FF2B5EF4-FFF2-40B4-BE49-F238E27FC236}">
+                <a16:creationId xmlns:a16="http://schemas.microsoft.com/office/drawing/2014/main" id="{36F81AA1-1BB9-4FA8-ADFF-BDCCE9CDAF8E}"/>
+              </a:ext>
+            </a:extLst>
+          </p:cNvPr>
+          <p:cNvPicPr>
+            <a:picLocks noChangeAspect="1"/>
+          </p:cNvPicPr>
+          <p:nvPr/>
+        </p:nvPicPr>
+        <p:blipFill>
+          <a:blip r:embed="rId6"/>
+          <a:stretch>
+            <a:fillRect/>
+          </a:stretch>
+        </p:blipFill>
+        <p:spPr>
+          <a:xfrm>
+            <a:off x="3483102" y="0"/>
+            <a:ext cx="5225796" cy="6858000"/>
+          </a:xfrm>
+          <a:prstGeom prst="rect">
+            <a:avLst/>
+          </a:prstGeom>
+        </p:spPr>
+      </p:pic>
+    </p:spTree>
+    <p:extLst>
+      <p:ext uri="{BB962C8B-B14F-4D97-AF65-F5344CB8AC3E}">
+        <p14:creationId xmlns:p14="http://schemas.microsoft.com/office/powerpoint/2010/main" val="224653990"/>
+      </p:ext>
+    </p:extLst>
+  </p:cSld>
+  <p:clrMapOvr>
+    <a:masterClrMapping/>
+  </p:clrMapOvr>
+</p:sld>
+</file>
+
+<file path=ppt/slides/slide14.xml><?xml version="1.0" encoding="utf-8"?>
 <p:sld xmlns:a="http://schemas.openxmlformats.org/drawingml/2006/main" xmlns:r="http://schemas.openxmlformats.org/officeDocument/2006/relationships" xmlns:p="http://schemas.openxmlformats.org/presentationml/2006/main">
   <p:cSld>
     <p:spTree>
